--- a/5. Pointer/_5. Pointer.pptx
+++ b/5. Pointer/_5. Pointer.pptx
@@ -5,12 +5,13 @@
     <p:sldMasterId id="2147483648" r:id="rId1"/>
   </p:sldMasterIdLst>
   <p:notesMasterIdLst>
-    <p:notesMasterId r:id="rId5"/>
+    <p:notesMasterId r:id="rId6"/>
   </p:notesMasterIdLst>
   <p:sldIdLst>
     <p:sldId id="259" r:id="rId2"/>
     <p:sldId id="270" r:id="rId3"/>
-    <p:sldId id="262" r:id="rId4"/>
+    <p:sldId id="267" r:id="rId4"/>
+    <p:sldId id="262" r:id="rId5"/>
   </p:sldIdLst>
   <p:sldSz cx="9144000" cy="6858000" type="screen4x3"/>
   <p:notesSz cx="6858000" cy="9144000"/>
@@ -464,6 +465,90 @@
     </a:lvl9pPr>
   </p:notesStyle>
 </p:notesMaster>
+</file>
+
+<file path=ppt/notesSlides/notesSlide1.xml><?xml version="1.0" encoding="utf-8"?>
+<p:notes xmlns:a="http://schemas.openxmlformats.org/drawingml/2006/main" xmlns:r="http://schemas.openxmlformats.org/officeDocument/2006/relationships" xmlns:p="http://schemas.openxmlformats.org/presentationml/2006/main">
+  <p:cSld>
+    <p:spTree>
+      <p:nvGrpSpPr>
+        <p:cNvPr id="1" name=""/>
+        <p:cNvGrpSpPr/>
+        <p:nvPr/>
+      </p:nvGrpSpPr>
+      <p:grpSpPr>
+        <a:xfrm>
+          <a:off x="0" y="0"/>
+          <a:ext cx="0" cy="0"/>
+          <a:chOff x="0" y="0"/>
+          <a:chExt cx="0" cy="0"/>
+        </a:xfrm>
+      </p:grpSpPr>
+      <p:sp>
+        <p:nvSpPr>
+          <p:cNvPr id="2" name="Образ слайда 1"/>
+          <p:cNvSpPr>
+            <a:spLocks noGrp="1" noRot="1" noChangeAspect="1"/>
+          </p:cNvSpPr>
+          <p:nvPr>
+            <p:ph type="sldImg"/>
+          </p:nvPr>
+        </p:nvSpPr>
+        <p:spPr/>
+      </p:sp>
+      <p:sp>
+        <p:nvSpPr>
+          <p:cNvPr id="3" name="Заметки 2"/>
+          <p:cNvSpPr>
+            <a:spLocks noGrp="1"/>
+          </p:cNvSpPr>
+          <p:nvPr>
+            <p:ph type="body" idx="1"/>
+          </p:nvPr>
+        </p:nvSpPr>
+        <p:spPr/>
+        <p:txBody>
+          <a:bodyPr/>
+          <a:lstStyle/>
+          <a:p>
+            <a:endParaRPr lang="ru-RU" dirty="0"/>
+          </a:p>
+        </p:txBody>
+      </p:sp>
+      <p:sp>
+        <p:nvSpPr>
+          <p:cNvPr id="4" name="Номер слайда 3"/>
+          <p:cNvSpPr>
+            <a:spLocks noGrp="1"/>
+          </p:cNvSpPr>
+          <p:nvPr>
+            <p:ph type="sldNum" sz="quarter" idx="5"/>
+          </p:nvPr>
+        </p:nvSpPr>
+        <p:spPr/>
+        <p:txBody>
+          <a:bodyPr/>
+          <a:lstStyle/>
+          <a:p>
+            <a:fld id="{46D2654B-16AF-4FC8-85F1-09ECDEE7574F}" type="slidenum">
+              <a:rPr lang="ru-RU" smtClean="0"/>
+              <a:t>3</a:t>
+            </a:fld>
+            <a:endParaRPr lang="ru-RU"/>
+          </a:p>
+        </p:txBody>
+      </p:sp>
+    </p:spTree>
+    <p:extLst>
+      <p:ext uri="{BB962C8B-B14F-4D97-AF65-F5344CB8AC3E}">
+        <p14:creationId xmlns:p14="http://schemas.microsoft.com/office/powerpoint/2010/main" val="3546687467"/>
+      </p:ext>
+    </p:extLst>
+  </p:cSld>
+  <p:clrMapOvr>
+    <a:masterClrMapping/>
+  </p:clrMapOvr>
+</p:notes>
 </file>
 
 <file path=ppt/slideLayouts/slideLayout1.xml><?xml version="1.0" encoding="utf-8"?>
@@ -4357,211 +4442,147 @@
           <a:chExt cx="0" cy="0"/>
         </a:xfrm>
       </p:grpSpPr>
-      <p:sp>
-        <p:nvSpPr>
-          <p:cNvPr id="3" name="Объект 2">
-            <a:extLst>
-              <a:ext uri="{FF2B5EF4-FFF2-40B4-BE49-F238E27FC236}">
-                <a16:creationId xmlns:a16="http://schemas.microsoft.com/office/drawing/2014/main" id="{C70784E7-DB38-3C3D-73E7-B8C9B595E517}"/>
-              </a:ext>
-            </a:extLst>
-          </p:cNvPr>
-          <p:cNvSpPr>
-            <a:spLocks noGrp="1"/>
-          </p:cNvSpPr>
-          <p:nvPr>
-            <p:ph idx="1"/>
-          </p:nvPr>
+      <p:pic>
+        <p:nvPicPr>
+          <p:cNvPr id="3074" name="Picture 2">
+            <a:extLst>
+              <a:ext uri="{FF2B5EF4-FFF2-40B4-BE49-F238E27FC236}">
+                <a16:creationId xmlns:a16="http://schemas.microsoft.com/office/drawing/2014/main" id="{86A41C3A-521A-DE18-CE7B-73AE8916A542}"/>
+              </a:ext>
+            </a:extLst>
+          </p:cNvPr>
+          <p:cNvPicPr>
+            <a:picLocks noChangeAspect="1" noChangeArrowheads="1"/>
+          </p:cNvPicPr>
+          <p:nvPr/>
+        </p:nvPicPr>
+        <p:blipFill>
+          <a:blip r:embed="rId3">
+            <a:extLst>
+              <a:ext uri="{28A0092B-C50C-407E-A947-70E740481C1C}">
+                <a14:useLocalDpi xmlns:a14="http://schemas.microsoft.com/office/drawing/2010/main" val="0"/>
+              </a:ext>
+            </a:extLst>
+          </a:blip>
+          <a:srcRect/>
+          <a:stretch>
+            <a:fillRect/>
+          </a:stretch>
+        </p:blipFill>
+        <p:spPr bwMode="auto">
+          <a:xfrm>
+            <a:off x="1030373" y="860875"/>
+            <a:ext cx="6850218" cy="5212798"/>
+          </a:xfrm>
+          <a:prstGeom prst="rect">
+            <a:avLst/>
+          </a:prstGeom>
+          <a:noFill/>
+          <a:extLst>
+            <a:ext uri="{909E8E84-426E-40DD-AFC4-6F175D3DCCD1}">
+              <a14:hiddenFill xmlns:a14="http://schemas.microsoft.com/office/drawing/2010/main">
+                <a:solidFill>
+                  <a:srgbClr val="FFFFFF"/>
+                </a:solidFill>
+              </a14:hiddenFill>
+            </a:ext>
+          </a:extLst>
+        </p:spPr>
+      </p:pic>
+      <p:sp>
+        <p:nvSpPr>
+          <p:cNvPr id="4" name="TextBox 3">
+            <a:extLst>
+              <a:ext uri="{FF2B5EF4-FFF2-40B4-BE49-F238E27FC236}">
+                <a16:creationId xmlns:a16="http://schemas.microsoft.com/office/drawing/2014/main" id="{CB7F9C6D-71FD-6210-FFF4-E463C84A3CD9}"/>
+              </a:ext>
+            </a:extLst>
+          </p:cNvPr>
+          <p:cNvSpPr txBox="1"/>
+          <p:nvPr/>
         </p:nvSpPr>
         <p:spPr>
           <a:xfrm>
-            <a:off x="260684" y="308941"/>
-            <a:ext cx="8622631" cy="2875417"/>
+            <a:off x="256674" y="160421"/>
+            <a:ext cx="2900346" cy="461665"/>
           </a:xfrm>
+          <a:prstGeom prst="rect">
+            <a:avLst/>
+          </a:prstGeom>
+          <a:noFill/>
         </p:spPr>
         <p:txBody>
-          <a:bodyPr>
-            <a:normAutofit fontScale="92500" lnSpcReduction="10000"/>
+          <a:bodyPr wrap="none" rtlCol="0">
+            <a:spAutoFit/>
           </a:bodyPr>
           <a:lstStyle/>
           <a:p>
-            <a:pPr marL="0" indent="0">
-              <a:spcBef>
-                <a:spcPts val="1200"/>
-              </a:spcBef>
-              <a:buNone/>
-            </a:pPr>
-            <a:r>
-              <a:rPr lang="ru-RU" sz="2000" dirty="0"/>
-              <a:t>Задачи:</a:t>
-            </a:r>
-            <a:endParaRPr lang="en-US" sz="2000" dirty="0"/>
-          </a:p>
-          <a:p>
-            <a:pPr marL="0" indent="0">
-              <a:spcBef>
-                <a:spcPts val="1200"/>
-              </a:spcBef>
-              <a:buNone/>
-            </a:pPr>
-            <a:r>
-              <a:rPr lang="en-US" sz="2000" dirty="0"/>
-              <a:t>1) </a:t>
-            </a:r>
-            <a:r>
-              <a:rPr lang="ru-RU" sz="2000" dirty="0"/>
-              <a:t>Создать тип структуру</a:t>
-            </a:r>
-            <a:r>
-              <a:rPr lang="en-US" sz="2000" dirty="0"/>
-              <a:t> Node</a:t>
-            </a:r>
-            <a:r>
-              <a:rPr lang="ru-RU" sz="2000" dirty="0"/>
-              <a:t> с данными(</a:t>
-            </a:r>
-            <a:r>
-              <a:rPr lang="en-US" sz="2000" dirty="0"/>
-              <a:t>integer)</a:t>
-            </a:r>
-            <a:r>
-              <a:rPr lang="ru-RU" sz="2000" dirty="0"/>
-              <a:t> и указателем на себя.</a:t>
-            </a:r>
-          </a:p>
-          <a:p>
-            <a:pPr marL="0" indent="0">
-              <a:spcBef>
-                <a:spcPts val="1200"/>
-              </a:spcBef>
-              <a:buNone/>
-            </a:pPr>
-            <a:r>
-              <a:rPr lang="en-US" sz="2000" dirty="0"/>
-              <a:t>2) </a:t>
-            </a:r>
-            <a:r>
-              <a:rPr lang="ru-RU" sz="2000" dirty="0"/>
-              <a:t>Создать динамический массив структур </a:t>
-            </a:r>
-            <a:r>
-              <a:rPr lang="en-US" sz="2000" dirty="0"/>
-              <a:t>Node </a:t>
-            </a:r>
-            <a:r>
-              <a:rPr lang="ru-RU" sz="2000" dirty="0"/>
-              <a:t>из </a:t>
-            </a:r>
-            <a:r>
-              <a:rPr lang="en-US" sz="2000" dirty="0"/>
-              <a:t>N </a:t>
-            </a:r>
-            <a:r>
-              <a:rPr lang="ru-RU" sz="2000" dirty="0"/>
-              <a:t>элементов</a:t>
-            </a:r>
-            <a:r>
-              <a:rPr lang="en-US" sz="2000" dirty="0"/>
-              <a:t>.</a:t>
-            </a:r>
-          </a:p>
-          <a:p>
-            <a:pPr marL="0" indent="0">
-              <a:spcBef>
-                <a:spcPts val="1200"/>
-              </a:spcBef>
-              <a:buNone/>
-            </a:pPr>
-            <a:r>
-              <a:rPr lang="en-US" sz="2000" dirty="0"/>
-              <a:t>3)</a:t>
-            </a:r>
-            <a:r>
-              <a:rPr lang="ru-RU" sz="2000" dirty="0"/>
-              <a:t> Заполнить его случайными числами.</a:t>
-            </a:r>
-          </a:p>
-          <a:p>
-            <a:pPr marL="0" indent="0">
-              <a:spcBef>
-                <a:spcPts val="1200"/>
-              </a:spcBef>
-              <a:buNone/>
-            </a:pPr>
-            <a:r>
-              <a:rPr lang="ru-RU" sz="2000" dirty="0"/>
-              <a:t>4) В переменную </a:t>
-            </a:r>
-            <a:r>
-              <a:rPr lang="en-US" sz="2000" dirty="0" err="1"/>
-              <a:t>min_ptr</a:t>
-            </a:r>
-            <a:r>
-              <a:rPr lang="en-US" sz="2000" dirty="0"/>
-              <a:t> </a:t>
-            </a:r>
-            <a:r>
-              <a:rPr lang="ru-RU" sz="2000" dirty="0"/>
-              <a:t>поместить указатель на </a:t>
-            </a:r>
-            <a:r>
-              <a:rPr lang="en-US" sz="2000" dirty="0"/>
-              <a:t>node </a:t>
-            </a:r>
-            <a:r>
-              <a:rPr lang="ru-RU" sz="2000" dirty="0"/>
-              <a:t>из массива, имеющую минимальное число.</a:t>
-            </a:r>
-          </a:p>
-          <a:p>
-            <a:pPr marL="0" indent="0">
-              <a:spcBef>
-                <a:spcPts val="1200"/>
-              </a:spcBef>
-              <a:buNone/>
-            </a:pPr>
-            <a:r>
-              <a:rPr lang="ru-RU" sz="2000" dirty="0"/>
-              <a:t>5) В каждый указатель </a:t>
-            </a:r>
-            <a:r>
-              <a:rPr lang="en-US" sz="2000" dirty="0"/>
-              <a:t>node </a:t>
-            </a:r>
-            <a:r>
-              <a:rPr lang="ru-RU" sz="2000" dirty="0"/>
-              <a:t>из массива положить указатель на следующую </a:t>
-            </a:r>
-            <a:r>
-              <a:rPr lang="en-US" sz="2000" dirty="0"/>
-              <a:t>node </a:t>
-            </a:r>
-            <a:r>
-              <a:rPr lang="ru-RU" sz="2000" dirty="0"/>
-              <a:t>с числом по возрастанию. В последней </a:t>
-            </a:r>
-            <a:r>
-              <a:rPr lang="en-US" sz="2000" dirty="0"/>
-              <a:t>node</a:t>
-            </a:r>
-            <a:r>
-              <a:rPr lang="ru-RU" sz="2000" dirty="0"/>
-              <a:t> указатель равен </a:t>
-            </a:r>
-            <a:r>
-              <a:rPr lang="en-US" sz="2000" dirty="0"/>
-              <a:t>nil. </a:t>
-            </a:r>
-            <a:endParaRPr lang="ru-RU" sz="2000" dirty="0"/>
-          </a:p>
-        </p:txBody>
-      </p:sp>
-      <p:sp>
-        <p:nvSpPr>
-          <p:cNvPr id="5" name="Номер слайда 1">
-            <a:extLst>
-              <a:ext uri="{FF2B5EF4-FFF2-40B4-BE49-F238E27FC236}">
-                <a16:creationId xmlns:a16="http://schemas.microsoft.com/office/drawing/2014/main" id="{A6E1E402-DE73-E82A-4F4F-9192900BA975}"/>
+            <a:r>
+              <a:rPr lang="ru-RU" sz="2400" dirty="0"/>
+              <a:t>Комбинации байтов</a:t>
+            </a:r>
+          </a:p>
+        </p:txBody>
+      </p:sp>
+      <p:sp>
+        <p:nvSpPr>
+          <p:cNvPr id="5" name="TextBox 4">
+            <a:extLst>
+              <a:ext uri="{FF2B5EF4-FFF2-40B4-BE49-F238E27FC236}">
+                <a16:creationId xmlns:a16="http://schemas.microsoft.com/office/drawing/2014/main" id="{ADA9E44C-2000-3EBD-3DB8-63BC99B7C8BF}"/>
+              </a:ext>
+            </a:extLst>
+          </p:cNvPr>
+          <p:cNvSpPr txBox="1"/>
+          <p:nvPr/>
+        </p:nvSpPr>
+        <p:spPr>
+          <a:xfrm>
+            <a:off x="58275" y="6309419"/>
+            <a:ext cx="5665975" cy="461665"/>
+          </a:xfrm>
+          <a:prstGeom prst="rect">
+            <a:avLst/>
+          </a:prstGeom>
+          <a:noFill/>
+        </p:spPr>
+        <p:txBody>
+          <a:bodyPr wrap="none" rtlCol="0">
+            <a:spAutoFit/>
+          </a:bodyPr>
+          <a:lstStyle/>
+          <a:p>
+            <a:r>
+              <a:rPr lang="en-US" sz="1200" dirty="0">
+                <a:hlinkClick r:id="rId4"/>
+              </a:rPr>
+              <a:t>https://www3.ntu.edu.sg/home/ehchua/programming/cpp/cp4_PointerReference.html</a:t>
+            </a:r>
+            <a:endParaRPr lang="en-US" sz="1200" dirty="0"/>
+          </a:p>
+          <a:p>
+            <a:r>
+              <a:rPr lang="en-US" sz="1200" dirty="0">
+                <a:hlinkClick r:id="rId5"/>
+              </a:rPr>
+              <a:t>https://ru.wikipedia.org/wiki/</a:t>
+            </a:r>
+            <a:r>
+              <a:rPr lang="ru-RU" sz="1200" dirty="0" err="1">
+                <a:hlinkClick r:id="rId5"/>
+              </a:rPr>
+              <a:t>Порядок_байтов</a:t>
+            </a:r>
+            <a:endParaRPr lang="ru-RU" sz="1200" dirty="0"/>
+          </a:p>
+        </p:txBody>
+      </p:sp>
+      <p:sp>
+        <p:nvSpPr>
+          <p:cNvPr id="6" name="Номер слайда 1">
+            <a:extLst>
+              <a:ext uri="{FF2B5EF4-FFF2-40B4-BE49-F238E27FC236}">
+                <a16:creationId xmlns:a16="http://schemas.microsoft.com/office/drawing/2014/main" id="{D6D4384B-007E-21B7-A4CC-9A9CAB3F1768}"/>
               </a:ext>
             </a:extLst>
           </p:cNvPr>
@@ -4589,6 +4610,455 @@
                 </a:solidFill>
               </a:rPr>
               <a:t>3</a:t>
+            </a:fld>
+            <a:endParaRPr lang="ru-RU" dirty="0">
+              <a:solidFill>
+                <a:schemeClr val="tx1"/>
+              </a:solidFill>
+            </a:endParaRPr>
+          </a:p>
+        </p:txBody>
+      </p:sp>
+      <p:sp>
+        <p:nvSpPr>
+          <p:cNvPr id="7" name="Прямоугольник 6">
+            <a:extLst>
+              <a:ext uri="{FF2B5EF4-FFF2-40B4-BE49-F238E27FC236}">
+                <a16:creationId xmlns:a16="http://schemas.microsoft.com/office/drawing/2014/main" id="{3F4FA82C-14A1-31F7-928C-48AAEE280969}"/>
+              </a:ext>
+            </a:extLst>
+          </p:cNvPr>
+          <p:cNvSpPr/>
+          <p:nvPr/>
+        </p:nvSpPr>
+        <p:spPr>
+          <a:xfrm>
+            <a:off x="3679902" y="784327"/>
+            <a:ext cx="4433725" cy="5076035"/>
+          </a:xfrm>
+          <a:prstGeom prst="rect">
+            <a:avLst/>
+          </a:prstGeom>
+          <a:solidFill>
+            <a:schemeClr val="bg1"/>
+          </a:solidFill>
+          <a:ln>
+            <a:solidFill>
+              <a:schemeClr val="bg1"/>
+            </a:solidFill>
+          </a:ln>
+        </p:spPr>
+        <p:style>
+          <a:lnRef idx="2">
+            <a:schemeClr val="accent1">
+              <a:shade val="50000"/>
+            </a:schemeClr>
+          </a:lnRef>
+          <a:fillRef idx="1">
+            <a:schemeClr val="accent1"/>
+          </a:fillRef>
+          <a:effectRef idx="0">
+            <a:schemeClr val="accent1"/>
+          </a:effectRef>
+          <a:fontRef idx="minor">
+            <a:schemeClr val="lt1"/>
+          </a:fontRef>
+        </p:style>
+        <p:txBody>
+          <a:bodyPr rtlCol="0" anchor="ctr"/>
+          <a:lstStyle/>
+          <a:p>
+            <a:pPr algn="ctr"/>
+            <a:endParaRPr lang="ru-RU"/>
+          </a:p>
+        </p:txBody>
+      </p:sp>
+    </p:spTree>
+    <p:extLst>
+      <p:ext uri="{BB962C8B-B14F-4D97-AF65-F5344CB8AC3E}">
+        <p14:creationId xmlns:p14="http://schemas.microsoft.com/office/powerpoint/2010/main" val="1690413485"/>
+      </p:ext>
+    </p:extLst>
+  </p:cSld>
+  <p:clrMapOvr>
+    <a:masterClrMapping/>
+  </p:clrMapOvr>
+  <p:timing>
+    <p:tnLst>
+      <p:par>
+        <p:cTn id="1" dur="indefinite" restart="never" nodeType="tmRoot">
+          <p:childTnLst>
+            <p:seq concurrent="1" nextAc="seek">
+              <p:cTn id="2" dur="indefinite" nodeType="mainSeq">
+                <p:childTnLst>
+                  <p:par>
+                    <p:cTn id="3" fill="hold">
+                      <p:stCondLst>
+                        <p:cond delay="indefinite"/>
+                      </p:stCondLst>
+                      <p:childTnLst>
+                        <p:par>
+                          <p:cTn id="4" fill="hold">
+                            <p:stCondLst>
+                              <p:cond delay="0"/>
+                            </p:stCondLst>
+                            <p:childTnLst>
+                              <p:par>
+                                <p:cTn id="5" presetID="2" presetClass="exit" presetSubtype="2" fill="hold" grpId="0" nodeType="clickEffect">
+                                  <p:stCondLst>
+                                    <p:cond delay="0"/>
+                                  </p:stCondLst>
+                                  <p:childTnLst>
+                                    <p:anim calcmode="lin" valueType="num">
+                                      <p:cBhvr additive="base">
+                                        <p:cTn id="6" dur="500"/>
+                                        <p:tgtEl>
+                                          <p:spTgt spid="7"/>
+                                        </p:tgtEl>
+                                        <p:attrNameLst>
+                                          <p:attrName>ppt_x</p:attrName>
+                                        </p:attrNameLst>
+                                      </p:cBhvr>
+                                      <p:tavLst>
+                                        <p:tav tm="0">
+                                          <p:val>
+                                            <p:strVal val="ppt_x"/>
+                                          </p:val>
+                                        </p:tav>
+                                        <p:tav tm="100000">
+                                          <p:val>
+                                            <p:strVal val="1+ppt_w/2"/>
+                                          </p:val>
+                                        </p:tav>
+                                      </p:tavLst>
+                                    </p:anim>
+                                    <p:anim calcmode="lin" valueType="num">
+                                      <p:cBhvr additive="base">
+                                        <p:cTn id="7" dur="500"/>
+                                        <p:tgtEl>
+                                          <p:spTgt spid="7"/>
+                                        </p:tgtEl>
+                                        <p:attrNameLst>
+                                          <p:attrName>ppt_y</p:attrName>
+                                        </p:attrNameLst>
+                                      </p:cBhvr>
+                                      <p:tavLst>
+                                        <p:tav tm="0">
+                                          <p:val>
+                                            <p:strVal val="ppt_y"/>
+                                          </p:val>
+                                        </p:tav>
+                                        <p:tav tm="100000">
+                                          <p:val>
+                                            <p:strVal val="ppt_y"/>
+                                          </p:val>
+                                        </p:tav>
+                                      </p:tavLst>
+                                    </p:anim>
+                                    <p:set>
+                                      <p:cBhvr>
+                                        <p:cTn id="8" dur="1" fill="hold">
+                                          <p:stCondLst>
+                                            <p:cond delay="499"/>
+                                          </p:stCondLst>
+                                        </p:cTn>
+                                        <p:tgtEl>
+                                          <p:spTgt spid="7"/>
+                                        </p:tgtEl>
+                                        <p:attrNameLst>
+                                          <p:attrName>style.visibility</p:attrName>
+                                        </p:attrNameLst>
+                                      </p:cBhvr>
+                                      <p:to>
+                                        <p:strVal val="hidden"/>
+                                      </p:to>
+                                    </p:set>
+                                  </p:childTnLst>
+                                </p:cTn>
+                              </p:par>
+                            </p:childTnLst>
+                          </p:cTn>
+                        </p:par>
+                      </p:childTnLst>
+                    </p:cTn>
+                  </p:par>
+                </p:childTnLst>
+              </p:cTn>
+              <p:prevCondLst>
+                <p:cond evt="onPrev" delay="0">
+                  <p:tgtEl>
+                    <p:sldTgt/>
+                  </p:tgtEl>
+                </p:cond>
+              </p:prevCondLst>
+              <p:nextCondLst>
+                <p:cond evt="onNext" delay="0">
+                  <p:tgtEl>
+                    <p:sldTgt/>
+                  </p:tgtEl>
+                </p:cond>
+              </p:nextCondLst>
+            </p:seq>
+          </p:childTnLst>
+        </p:cTn>
+      </p:par>
+    </p:tnLst>
+    <p:bldLst>
+      <p:bldP spid="7" grpId="0" animBg="1"/>
+    </p:bldLst>
+  </p:timing>
+</p:sld>
+</file>
+
+<file path=ppt/slides/slide4.xml><?xml version="1.0" encoding="utf-8"?>
+<p:sld xmlns:a="http://schemas.openxmlformats.org/drawingml/2006/main" xmlns:r="http://schemas.openxmlformats.org/officeDocument/2006/relationships" xmlns:p="http://schemas.openxmlformats.org/presentationml/2006/main">
+  <p:cSld>
+    <p:spTree>
+      <p:nvGrpSpPr>
+        <p:cNvPr id="1" name=""/>
+        <p:cNvGrpSpPr/>
+        <p:nvPr/>
+      </p:nvGrpSpPr>
+      <p:grpSpPr>
+        <a:xfrm>
+          <a:off x="0" y="0"/>
+          <a:ext cx="0" cy="0"/>
+          <a:chOff x="0" y="0"/>
+          <a:chExt cx="0" cy="0"/>
+        </a:xfrm>
+      </p:grpSpPr>
+      <p:sp>
+        <p:nvSpPr>
+          <p:cNvPr id="3" name="Объект 2">
+            <a:extLst>
+              <a:ext uri="{FF2B5EF4-FFF2-40B4-BE49-F238E27FC236}">
+                <a16:creationId xmlns:a16="http://schemas.microsoft.com/office/drawing/2014/main" id="{C70784E7-DB38-3C3D-73E7-B8C9B595E517}"/>
+              </a:ext>
+            </a:extLst>
+          </p:cNvPr>
+          <p:cNvSpPr>
+            <a:spLocks noGrp="1"/>
+          </p:cNvSpPr>
+          <p:nvPr>
+            <p:ph idx="1"/>
+          </p:nvPr>
+        </p:nvSpPr>
+        <p:spPr>
+          <a:xfrm>
+            <a:off x="260684" y="308941"/>
+            <a:ext cx="8622631" cy="2875417"/>
+          </a:xfrm>
+        </p:spPr>
+        <p:txBody>
+          <a:bodyPr>
+            <a:normAutofit fontScale="92500" lnSpcReduction="10000"/>
+          </a:bodyPr>
+          <a:lstStyle/>
+          <a:p>
+            <a:pPr marL="0" indent="0">
+              <a:spcBef>
+                <a:spcPts val="1200"/>
+              </a:spcBef>
+              <a:buNone/>
+            </a:pPr>
+            <a:r>
+              <a:rPr lang="ru-RU" sz="2000" dirty="0"/>
+              <a:t>Задачи:</a:t>
+            </a:r>
+            <a:endParaRPr lang="en-US" sz="2000" dirty="0"/>
+          </a:p>
+          <a:p>
+            <a:pPr marL="0" indent="0">
+              <a:spcBef>
+                <a:spcPts val="1200"/>
+              </a:spcBef>
+              <a:buNone/>
+            </a:pPr>
+            <a:r>
+              <a:rPr lang="en-US" sz="2000" dirty="0"/>
+              <a:t>1) </a:t>
+            </a:r>
+            <a:r>
+              <a:rPr lang="ru-RU" sz="2000" dirty="0"/>
+              <a:t>Создать тип структуру</a:t>
+            </a:r>
+            <a:r>
+              <a:rPr lang="en-US" sz="2000" dirty="0"/>
+              <a:t> Node</a:t>
+            </a:r>
+            <a:r>
+              <a:rPr lang="ru-RU" sz="2000" dirty="0"/>
+              <a:t> с данными(</a:t>
+            </a:r>
+            <a:r>
+              <a:rPr lang="en-US" sz="2000" dirty="0"/>
+              <a:t>integer)</a:t>
+            </a:r>
+            <a:r>
+              <a:rPr lang="ru-RU" sz="2000" dirty="0"/>
+              <a:t> и указателем на себя.</a:t>
+            </a:r>
+          </a:p>
+          <a:p>
+            <a:pPr marL="0" indent="0">
+              <a:spcBef>
+                <a:spcPts val="1200"/>
+              </a:spcBef>
+              <a:buNone/>
+            </a:pPr>
+            <a:r>
+              <a:rPr lang="en-US" sz="2000" dirty="0"/>
+              <a:t>2) </a:t>
+            </a:r>
+            <a:r>
+              <a:rPr lang="ru-RU" sz="2000" dirty="0"/>
+              <a:t>Создать динамический массив структур </a:t>
+            </a:r>
+            <a:r>
+              <a:rPr lang="en-US" sz="2000" dirty="0"/>
+              <a:t>Node </a:t>
+            </a:r>
+            <a:r>
+              <a:rPr lang="ru-RU" sz="2000" dirty="0"/>
+              <a:t>из </a:t>
+            </a:r>
+            <a:r>
+              <a:rPr lang="en-US" sz="2000" dirty="0"/>
+              <a:t>N </a:t>
+            </a:r>
+            <a:r>
+              <a:rPr lang="ru-RU" sz="2000" dirty="0"/>
+              <a:t>элементов</a:t>
+            </a:r>
+            <a:r>
+              <a:rPr lang="en-US" sz="2000" dirty="0"/>
+              <a:t>.</a:t>
+            </a:r>
+          </a:p>
+          <a:p>
+            <a:pPr marL="0" indent="0">
+              <a:spcBef>
+                <a:spcPts val="1200"/>
+              </a:spcBef>
+              <a:buNone/>
+            </a:pPr>
+            <a:r>
+              <a:rPr lang="en-US" sz="2000" dirty="0"/>
+              <a:t>3)</a:t>
+            </a:r>
+            <a:r>
+              <a:rPr lang="ru-RU" sz="2000" dirty="0"/>
+              <a:t> Заполнить его случайными числами.</a:t>
+            </a:r>
+          </a:p>
+          <a:p>
+            <a:pPr marL="0" indent="0">
+              <a:spcBef>
+                <a:spcPts val="1200"/>
+              </a:spcBef>
+              <a:buNone/>
+            </a:pPr>
+            <a:r>
+              <a:rPr lang="ru-RU" sz="2000" dirty="0"/>
+              <a:t>4) В переменную </a:t>
+            </a:r>
+            <a:r>
+              <a:rPr lang="en-US" sz="2000" dirty="0" err="1"/>
+              <a:t>min_ptr</a:t>
+            </a:r>
+            <a:r>
+              <a:rPr lang="en-US" sz="2000" dirty="0"/>
+              <a:t> </a:t>
+            </a:r>
+            <a:r>
+              <a:rPr lang="ru-RU" sz="2000" dirty="0"/>
+              <a:t>поместить указатель на </a:t>
+            </a:r>
+            <a:r>
+              <a:rPr lang="en-US" sz="2000" dirty="0"/>
+              <a:t>node </a:t>
+            </a:r>
+            <a:r>
+              <a:rPr lang="ru-RU" sz="2000" dirty="0"/>
+              <a:t>из массива, имеющую минимальное число.</a:t>
+            </a:r>
+          </a:p>
+          <a:p>
+            <a:pPr marL="0" indent="0">
+              <a:spcBef>
+                <a:spcPts val="1200"/>
+              </a:spcBef>
+              <a:buNone/>
+            </a:pPr>
+            <a:r>
+              <a:rPr lang="ru-RU" sz="2000" dirty="0"/>
+              <a:t>5) В каждый указатель </a:t>
+            </a:r>
+            <a:r>
+              <a:rPr lang="en-US" sz="2000" dirty="0"/>
+              <a:t>node </a:t>
+            </a:r>
+            <a:r>
+              <a:rPr lang="ru-RU" sz="2000" dirty="0"/>
+              <a:t>из массива положить указатель на следующую </a:t>
+            </a:r>
+            <a:r>
+              <a:rPr lang="en-US" sz="2000" dirty="0"/>
+              <a:t>node </a:t>
+            </a:r>
+            <a:r>
+              <a:rPr lang="ru-RU" sz="2000" dirty="0"/>
+              <a:t>с числом по возрастанию. В последней </a:t>
+            </a:r>
+            <a:r>
+              <a:rPr lang="en-US" sz="2000" dirty="0"/>
+              <a:t>node</a:t>
+            </a:r>
+            <a:r>
+              <a:rPr lang="ru-RU" sz="2000" dirty="0"/>
+              <a:t> указатель равен </a:t>
+            </a:r>
+            <a:r>
+              <a:rPr lang="en-US" sz="2000" dirty="0"/>
+              <a:t>nil. </a:t>
+            </a:r>
+            <a:endParaRPr lang="ru-RU" sz="2000" dirty="0"/>
+          </a:p>
+        </p:txBody>
+      </p:sp>
+      <p:sp>
+        <p:nvSpPr>
+          <p:cNvPr id="5" name="Номер слайда 1">
+            <a:extLst>
+              <a:ext uri="{FF2B5EF4-FFF2-40B4-BE49-F238E27FC236}">
+                <a16:creationId xmlns:a16="http://schemas.microsoft.com/office/drawing/2014/main" id="{A6E1E402-DE73-E82A-4F4F-9192900BA975}"/>
+              </a:ext>
+            </a:extLst>
+          </p:cNvPr>
+          <p:cNvSpPr>
+            <a:spLocks noGrp="1"/>
+          </p:cNvSpPr>
+          <p:nvPr>
+            <p:ph type="sldNum" sz="quarter" idx="12"/>
+          </p:nvPr>
+        </p:nvSpPr>
+        <p:spPr>
+          <a:xfrm>
+            <a:off x="6457950" y="6362616"/>
+            <a:ext cx="2057400" cy="365125"/>
+          </a:xfrm>
+        </p:spPr>
+        <p:txBody>
+          <a:bodyPr/>
+          <a:lstStyle/>
+          <a:p>
+            <a:fld id="{370A62FE-C268-428B-9FB6-A45FCBA79971}" type="slidenum">
+              <a:rPr lang="ru-RU" sz="1400" smtClean="0">
+                <a:solidFill>
+                  <a:schemeClr val="tx1"/>
+                </a:solidFill>
+              </a:rPr>
+              <a:t>4</a:t>
             </a:fld>
             <a:endParaRPr lang="ru-RU" dirty="0">
               <a:solidFill>
